--- a/Presentation/Grace_edits.pptx
+++ b/Presentation/Grace_edits.pptx
@@ -11,9 +11,10 @@
     <p:sldId id="259" r:id="rId5"/>
     <p:sldId id="265" r:id="rId6"/>
     <p:sldId id="266" r:id="rId7"/>
-    <p:sldId id="260" r:id="rId8"/>
-    <p:sldId id="264" r:id="rId9"/>
-    <p:sldId id="267" r:id="rId10"/>
+    <p:sldId id="268" r:id="rId8"/>
+    <p:sldId id="260" r:id="rId9"/>
+    <p:sldId id="264" r:id="rId10"/>
+    <p:sldId id="267" r:id="rId11"/>
   </p:sldIdLst>
   <p:sldSz cx="12192000" cy="6858000"/>
   <p:notesSz cx="6858000" cy="9144000"/>
@@ -843,7 +844,7 @@
             <a:fld id="{B61BEF0D-F0BB-DE4B-95CE-6DB70DBA9567}" type="datetimeFigureOut">
               <a:rPr lang="en-US" dirty="0"/>
               <a:pPr/>
-              <a:t>4/9/2019</a:t>
+              <a:t>4/10/2019</a:t>
             </a:fld>
             <a:endParaRPr lang="en-US" dirty="0"/>
           </a:p>
@@ -1091,7 +1092,7 @@
             <a:fld id="{B61BEF0D-F0BB-DE4B-95CE-6DB70DBA9567}" type="datetimeFigureOut">
               <a:rPr lang="en-US" dirty="0"/>
               <a:pPr/>
-              <a:t>4/9/2019</a:t>
+              <a:t>4/10/2019</a:t>
             </a:fld>
             <a:endParaRPr lang="en-US" dirty="0"/>
           </a:p>
@@ -1402,7 +1403,7 @@
             <a:fld id="{B61BEF0D-F0BB-DE4B-95CE-6DB70DBA9567}" type="datetimeFigureOut">
               <a:rPr lang="en-US" dirty="0"/>
               <a:pPr/>
-              <a:t>4/9/2019</a:t>
+              <a:t>4/10/2019</a:t>
             </a:fld>
             <a:endParaRPr lang="en-US" dirty="0"/>
           </a:p>
@@ -1740,7 +1741,7 @@
             <a:fld id="{B61BEF0D-F0BB-DE4B-95CE-6DB70DBA9567}" type="datetimeFigureOut">
               <a:rPr lang="en-US" dirty="0"/>
               <a:pPr/>
-              <a:t>4/9/2019</a:t>
+              <a:t>4/10/2019</a:t>
             </a:fld>
             <a:endParaRPr lang="en-US" dirty="0"/>
           </a:p>
@@ -2051,7 +2052,7 @@
             <a:fld id="{B61BEF0D-F0BB-DE4B-95CE-6DB70DBA9567}" type="datetimeFigureOut">
               <a:rPr lang="en-US" dirty="0"/>
               <a:pPr/>
-              <a:t>4/9/2019</a:t>
+              <a:t>4/10/2019</a:t>
             </a:fld>
             <a:endParaRPr lang="en-US" dirty="0"/>
           </a:p>
@@ -2441,7 +2442,7 @@
             <a:fld id="{B61BEF0D-F0BB-DE4B-95CE-6DB70DBA9567}" type="datetimeFigureOut">
               <a:rPr lang="en-US" dirty="0"/>
               <a:pPr/>
-              <a:t>4/9/2019</a:t>
+              <a:t>4/10/2019</a:t>
             </a:fld>
             <a:endParaRPr lang="en-US" dirty="0"/>
           </a:p>
@@ -2607,7 +2608,7 @@
           <a:p>
             <a:fld id="{55C6B4A9-1611-4792-9094-5F34BCA07E0B}" type="datetimeFigureOut">
               <a:rPr lang="en-US" dirty="0"/>
-              <a:t>4/9/2019</a:t>
+              <a:t>4/10/2019</a:t>
             </a:fld>
             <a:endParaRPr lang="en-US" dirty="0"/>
           </a:p>
@@ -2783,7 +2784,7 @@
             <a:fld id="{B61BEF0D-F0BB-DE4B-95CE-6DB70DBA9567}" type="datetimeFigureOut">
               <a:rPr lang="en-US" dirty="0"/>
               <a:pPr/>
-              <a:t>4/9/2019</a:t>
+              <a:t>4/10/2019</a:t>
             </a:fld>
             <a:endParaRPr lang="en-US" dirty="0"/>
           </a:p>
@@ -2956,7 +2957,7 @@
             <a:fld id="{B61BEF0D-F0BB-DE4B-95CE-6DB70DBA9567}" type="datetimeFigureOut">
               <a:rPr lang="en-US" dirty="0"/>
               <a:pPr/>
-              <a:t>4/9/2019</a:t>
+              <a:t>4/10/2019</a:t>
             </a:fld>
             <a:endParaRPr lang="en-US" dirty="0"/>
           </a:p>
@@ -3200,7 +3201,7 @@
             <a:fld id="{B61BEF0D-F0BB-DE4B-95CE-6DB70DBA9567}" type="datetimeFigureOut">
               <a:rPr lang="en-US" dirty="0"/>
               <a:pPr/>
-              <a:t>4/9/2019</a:t>
+              <a:t>4/10/2019</a:t>
             </a:fld>
             <a:endParaRPr lang="en-US" dirty="0"/>
           </a:p>
@@ -3428,7 +3429,7 @@
           <a:p>
             <a:fld id="{EB712588-04B1-427B-82EE-E8DB90309F08}" type="datetimeFigureOut">
               <a:rPr lang="en-US" dirty="0"/>
-              <a:t>4/9/2019</a:t>
+              <a:t>4/10/2019</a:t>
             </a:fld>
             <a:endParaRPr lang="en-US" dirty="0"/>
           </a:p>
@@ -3798,7 +3799,7 @@
             <a:fld id="{B61BEF0D-F0BB-DE4B-95CE-6DB70DBA9567}" type="datetimeFigureOut">
               <a:rPr lang="en-US" dirty="0"/>
               <a:pPr/>
-              <a:t>4/9/2019</a:t>
+              <a:t>4/10/2019</a:t>
             </a:fld>
             <a:endParaRPr lang="en-US" dirty="0"/>
           </a:p>
@@ -3918,7 +3919,7 @@
             <a:fld id="{B61BEF0D-F0BB-DE4B-95CE-6DB70DBA9567}" type="datetimeFigureOut">
               <a:rPr lang="en-US" dirty="0"/>
               <a:pPr/>
-              <a:t>4/9/2019</a:t>
+              <a:t>4/10/2019</a:t>
             </a:fld>
             <a:endParaRPr lang="en-US" dirty="0"/>
           </a:p>
@@ -4010,7 +4011,7 @@
             <a:fld id="{B61BEF0D-F0BB-DE4B-95CE-6DB70DBA9567}" type="datetimeFigureOut">
               <a:rPr lang="en-US" dirty="0"/>
               <a:pPr/>
-              <a:t>4/9/2019</a:t>
+              <a:t>4/10/2019</a:t>
             </a:fld>
             <a:endParaRPr lang="en-US" dirty="0"/>
           </a:p>
@@ -4261,7 +4262,7 @@
           <a:p>
             <a:fld id="{42A54C80-263E-416B-A8E0-580EDEADCBDC}" type="datetimeFigureOut">
               <a:rPr lang="en-US" dirty="0"/>
-              <a:t>4/9/2019</a:t>
+              <a:t>4/10/2019</a:t>
             </a:fld>
             <a:endParaRPr lang="en-US" dirty="0"/>
           </a:p>
@@ -4520,7 +4521,7 @@
             <a:fld id="{B61BEF0D-F0BB-DE4B-95CE-6DB70DBA9567}" type="datetimeFigureOut">
               <a:rPr lang="en-US" dirty="0"/>
               <a:pPr/>
-              <a:t>4/9/2019</a:t>
+              <a:t>4/10/2019</a:t>
             </a:fld>
             <a:endParaRPr lang="en-US" dirty="0"/>
           </a:p>
@@ -5260,7 +5261,7 @@
             <a:fld id="{B61BEF0D-F0BB-DE4B-95CE-6DB70DBA9567}" type="datetimeFigureOut">
               <a:rPr lang="en-US" dirty="0"/>
               <a:pPr/>
-              <a:t>4/9/2019</a:t>
+              <a:t>4/10/2019</a:t>
             </a:fld>
             <a:endParaRPr lang="en-US" dirty="0"/>
           </a:p>
@@ -5873,6 +5874,92 @@
 </p:sld>
 </file>
 
+<file path=ppt/slides/slide10.xml><?xml version="1.0" encoding="utf-8"?>
+<p:sld xmlns:a="http://schemas.openxmlformats.org/drawingml/2006/main" xmlns:r="http://schemas.openxmlformats.org/officeDocument/2006/relationships" xmlns:p="http://schemas.openxmlformats.org/presentationml/2006/main">
+  <p:cSld>
+    <p:spTree>
+      <p:nvGrpSpPr>
+        <p:cNvPr id="1" name=""/>
+        <p:cNvGrpSpPr/>
+        <p:nvPr/>
+      </p:nvGrpSpPr>
+      <p:grpSpPr>
+        <a:xfrm>
+          <a:off x="0" y="0"/>
+          <a:ext cx="0" cy="0"/>
+          <a:chOff x="0" y="0"/>
+          <a:chExt cx="0" cy="0"/>
+        </a:xfrm>
+      </p:grpSpPr>
+      <p:sp>
+        <p:nvSpPr>
+          <p:cNvPr id="2" name="Title 1">
+            <a:extLst>
+              <a:ext uri="{FF2B5EF4-FFF2-40B4-BE49-F238E27FC236}">
+                <a16:creationId xmlns:a16="http://schemas.microsoft.com/office/drawing/2014/main" id="{07E3D76C-F195-2E41-99FE-94A9333DD775}"/>
+              </a:ext>
+            </a:extLst>
+          </p:cNvPr>
+          <p:cNvSpPr>
+            <a:spLocks noGrp="1"/>
+          </p:cNvSpPr>
+          <p:nvPr>
+            <p:ph type="title"/>
+          </p:nvPr>
+        </p:nvSpPr>
+        <p:spPr/>
+        <p:txBody>
+          <a:bodyPr/>
+          <a:lstStyle/>
+          <a:p>
+            <a:r>
+              <a:rPr lang="en-US" dirty="0"/>
+              <a:t>Future Directions</a:t>
+            </a:r>
+          </a:p>
+        </p:txBody>
+      </p:sp>
+      <p:sp>
+        <p:nvSpPr>
+          <p:cNvPr id="3" name="Content Placeholder 2">
+            <a:extLst>
+              <a:ext uri="{FF2B5EF4-FFF2-40B4-BE49-F238E27FC236}">
+                <a16:creationId xmlns:a16="http://schemas.microsoft.com/office/drawing/2014/main" id="{A4351F48-88AF-B94A-B1C9-348A806B9373}"/>
+              </a:ext>
+            </a:extLst>
+          </p:cNvPr>
+          <p:cNvSpPr>
+            <a:spLocks noGrp="1"/>
+          </p:cNvSpPr>
+          <p:nvPr>
+            <p:ph idx="1"/>
+          </p:nvPr>
+        </p:nvSpPr>
+        <p:spPr/>
+        <p:txBody>
+          <a:bodyPr/>
+          <a:lstStyle/>
+          <a:p>
+            <a:r>
+              <a:rPr lang="en-US" dirty="0"/>
+              <a:t>Obtain data from previous years to track over time how the air quality measurements have changed.</a:t>
+            </a:r>
+          </a:p>
+        </p:txBody>
+      </p:sp>
+    </p:spTree>
+    <p:extLst>
+      <p:ext uri="{BB962C8B-B14F-4D97-AF65-F5344CB8AC3E}">
+        <p14:creationId xmlns:p14="http://schemas.microsoft.com/office/powerpoint/2010/main" val="3276110325"/>
+      </p:ext>
+    </p:extLst>
+  </p:cSld>
+  <p:clrMapOvr>
+    <a:masterClrMapping/>
+  </p:clrMapOvr>
+</p:sld>
+</file>
+
 <file path=ppt/slides/slide2.xml><?xml version="1.0" encoding="utf-8"?>
 <p:sld xmlns:a="http://schemas.openxmlformats.org/drawingml/2006/main" xmlns:r="http://schemas.openxmlformats.org/officeDocument/2006/relationships" xmlns:p="http://schemas.openxmlformats.org/presentationml/2006/main">
   <p:cSld>
@@ -6269,7 +6356,12 @@
             <p:ph type="title"/>
           </p:nvPr>
         </p:nvSpPr>
-        <p:spPr/>
+        <p:spPr>
+          <a:xfrm>
+            <a:off x="677334" y="609600"/>
+            <a:ext cx="8596668" cy="1320800"/>
+          </a:xfrm>
+        </p:spPr>
         <p:txBody>
           <a:bodyPr/>
           <a:lstStyle/>
@@ -6299,7 +6391,7 @@
         </p:nvSpPr>
         <p:spPr>
           <a:xfrm>
-            <a:off x="677334" y="2160589"/>
+            <a:off x="677334" y="1735473"/>
             <a:ext cx="8596668" cy="4512927"/>
           </a:xfrm>
         </p:spPr>
@@ -6465,6 +6557,92 @@
 </file>
 
 <file path=ppt/slides/slide7.xml><?xml version="1.0" encoding="utf-8"?>
+<p:sld xmlns:a="http://schemas.openxmlformats.org/drawingml/2006/main" xmlns:r="http://schemas.openxmlformats.org/officeDocument/2006/relationships" xmlns:p="http://schemas.openxmlformats.org/presentationml/2006/main">
+  <p:cSld>
+    <p:spTree>
+      <p:nvGrpSpPr>
+        <p:cNvPr id="1" name=""/>
+        <p:cNvGrpSpPr/>
+        <p:nvPr/>
+      </p:nvGrpSpPr>
+      <p:grpSpPr>
+        <a:xfrm>
+          <a:off x="0" y="0"/>
+          <a:ext cx="0" cy="0"/>
+          <a:chOff x="0" y="0"/>
+          <a:chExt cx="0" cy="0"/>
+        </a:xfrm>
+      </p:grpSpPr>
+      <p:sp>
+        <p:nvSpPr>
+          <p:cNvPr id="2" name="Title 1">
+            <a:extLst>
+              <a:ext uri="{FF2B5EF4-FFF2-40B4-BE49-F238E27FC236}">
+                <a16:creationId xmlns:a16="http://schemas.microsoft.com/office/drawing/2014/main" id="{0D810B61-331A-4E7B-B6A0-8246A6A06CB8}"/>
+              </a:ext>
+            </a:extLst>
+          </p:cNvPr>
+          <p:cNvSpPr>
+            <a:spLocks noGrp="1"/>
+          </p:cNvSpPr>
+          <p:nvPr>
+            <p:ph type="title"/>
+          </p:nvPr>
+        </p:nvSpPr>
+        <p:spPr/>
+        <p:txBody>
+          <a:bodyPr/>
+          <a:lstStyle/>
+          <a:p>
+            <a:r>
+              <a:rPr lang="en-US" dirty="0"/>
+              <a:t>Website Design</a:t>
+            </a:r>
+          </a:p>
+        </p:txBody>
+      </p:sp>
+      <p:sp>
+        <p:nvSpPr>
+          <p:cNvPr id="3" name="Content Placeholder 2">
+            <a:extLst>
+              <a:ext uri="{FF2B5EF4-FFF2-40B4-BE49-F238E27FC236}">
+                <a16:creationId xmlns:a16="http://schemas.microsoft.com/office/drawing/2014/main" id="{17760390-4844-403C-91B3-0FC547747BA5}"/>
+              </a:ext>
+            </a:extLst>
+          </p:cNvPr>
+          <p:cNvSpPr>
+            <a:spLocks noGrp="1"/>
+          </p:cNvSpPr>
+          <p:nvPr>
+            <p:ph idx="1"/>
+          </p:nvPr>
+        </p:nvSpPr>
+        <p:spPr/>
+        <p:txBody>
+          <a:bodyPr/>
+          <a:lstStyle/>
+          <a:p>
+            <a:r>
+              <a:rPr lang="en-US" dirty="0"/>
+              <a:t>Demo</a:t>
+            </a:r>
+          </a:p>
+        </p:txBody>
+      </p:sp>
+    </p:spTree>
+    <p:extLst>
+      <p:ext uri="{BB962C8B-B14F-4D97-AF65-F5344CB8AC3E}">
+        <p14:creationId xmlns:p14="http://schemas.microsoft.com/office/powerpoint/2010/main" val="2441358584"/>
+      </p:ext>
+    </p:extLst>
+  </p:cSld>
+  <p:clrMapOvr>
+    <a:masterClrMapping/>
+  </p:clrMapOvr>
+</p:sld>
+</file>
+
+<file path=ppt/slides/slide8.xml><?xml version="1.0" encoding="utf-8"?>
 <p:sld xmlns:a="http://schemas.openxmlformats.org/drawingml/2006/main" xmlns:r="http://schemas.openxmlformats.org/officeDocument/2006/relationships" xmlns:p="http://schemas.openxmlformats.org/presentationml/2006/main">
   <p:cSld>
     <p:spTree>
@@ -6551,7 +6729,7 @@
 </p:sld>
 </file>
 
-<file path=ppt/slides/slide8.xml><?xml version="1.0" encoding="utf-8"?>
+<file path=ppt/slides/slide9.xml><?xml version="1.0" encoding="utf-8"?>
 <p:sld xmlns:a="http://schemas.openxmlformats.org/drawingml/2006/main" xmlns:r="http://schemas.openxmlformats.org/officeDocument/2006/relationships" xmlns:p="http://schemas.openxmlformats.org/presentationml/2006/main">
   <p:cSld>
     <p:spTree>
@@ -6629,92 +6807,6 @@
     <p:extLst>
       <p:ext uri="{BB962C8B-B14F-4D97-AF65-F5344CB8AC3E}">
         <p14:creationId xmlns:p14="http://schemas.microsoft.com/office/powerpoint/2010/main" val="2229225701"/>
-      </p:ext>
-    </p:extLst>
-  </p:cSld>
-  <p:clrMapOvr>
-    <a:masterClrMapping/>
-  </p:clrMapOvr>
-</p:sld>
-</file>
-
-<file path=ppt/slides/slide9.xml><?xml version="1.0" encoding="utf-8"?>
-<p:sld xmlns:a="http://schemas.openxmlformats.org/drawingml/2006/main" xmlns:r="http://schemas.openxmlformats.org/officeDocument/2006/relationships" xmlns:p="http://schemas.openxmlformats.org/presentationml/2006/main">
-  <p:cSld>
-    <p:spTree>
-      <p:nvGrpSpPr>
-        <p:cNvPr id="1" name=""/>
-        <p:cNvGrpSpPr/>
-        <p:nvPr/>
-      </p:nvGrpSpPr>
-      <p:grpSpPr>
-        <a:xfrm>
-          <a:off x="0" y="0"/>
-          <a:ext cx="0" cy="0"/>
-          <a:chOff x="0" y="0"/>
-          <a:chExt cx="0" cy="0"/>
-        </a:xfrm>
-      </p:grpSpPr>
-      <p:sp>
-        <p:nvSpPr>
-          <p:cNvPr id="2" name="Title 1">
-            <a:extLst>
-              <a:ext uri="{FF2B5EF4-FFF2-40B4-BE49-F238E27FC236}">
-                <a16:creationId xmlns:a16="http://schemas.microsoft.com/office/drawing/2014/main" id="{07E3D76C-F195-2E41-99FE-94A9333DD775}"/>
-              </a:ext>
-            </a:extLst>
-          </p:cNvPr>
-          <p:cNvSpPr>
-            <a:spLocks noGrp="1"/>
-          </p:cNvSpPr>
-          <p:nvPr>
-            <p:ph type="title"/>
-          </p:nvPr>
-        </p:nvSpPr>
-        <p:spPr/>
-        <p:txBody>
-          <a:bodyPr/>
-          <a:lstStyle/>
-          <a:p>
-            <a:r>
-              <a:rPr lang="en-US" dirty="0"/>
-              <a:t>Future Directions</a:t>
-            </a:r>
-          </a:p>
-        </p:txBody>
-      </p:sp>
-      <p:sp>
-        <p:nvSpPr>
-          <p:cNvPr id="3" name="Content Placeholder 2">
-            <a:extLst>
-              <a:ext uri="{FF2B5EF4-FFF2-40B4-BE49-F238E27FC236}">
-                <a16:creationId xmlns:a16="http://schemas.microsoft.com/office/drawing/2014/main" id="{A4351F48-88AF-B94A-B1C9-348A806B9373}"/>
-              </a:ext>
-            </a:extLst>
-          </p:cNvPr>
-          <p:cNvSpPr>
-            <a:spLocks noGrp="1"/>
-          </p:cNvSpPr>
-          <p:nvPr>
-            <p:ph idx="1"/>
-          </p:nvPr>
-        </p:nvSpPr>
-        <p:spPr/>
-        <p:txBody>
-          <a:bodyPr/>
-          <a:lstStyle/>
-          <a:p>
-            <a:r>
-              <a:rPr lang="en-US" dirty="0"/>
-              <a:t>Obtain data from previous years to track over time how the air quality measurements have changed.</a:t>
-            </a:r>
-          </a:p>
-        </p:txBody>
-      </p:sp>
-    </p:spTree>
-    <p:extLst>
-      <p:ext uri="{BB962C8B-B14F-4D97-AF65-F5344CB8AC3E}">
-        <p14:creationId xmlns:p14="http://schemas.microsoft.com/office/powerpoint/2010/main" val="3276110325"/>
       </p:ext>
     </p:extLst>
   </p:cSld>
